--- a/timeline.pptx
+++ b/timeline.pptx
@@ -6,8 +6,9 @@
   </p:sldMasterIdLst>
   <p:sldIdLst>
     <p:sldId id="256" r:id="rId2"/>
-    <p:sldId id="257" r:id="rId3"/>
-    <p:sldId id="258" r:id="rId4"/>
+    <p:sldId id="259" r:id="rId3"/>
+    <p:sldId id="257" r:id="rId4"/>
+    <p:sldId id="258" r:id="rId5"/>
   </p:sldIdLst>
   <p:sldSz cx="12192000" cy="6858000"/>
   <p:notesSz cx="6858000" cy="9144000"/>
@@ -106,6 +107,11 @@
       </a:defRPr>
     </a:lvl9pPr>
   </p:defaultTextStyle>
+  <p:extLst>
+    <p:ext uri="{EFAFB233-063F-42B5-8137-9DF3F51BA10A}">
+      <p15:sldGuideLst xmlns:p15="http://schemas.microsoft.com/office/powerpoint/2012/main"/>
+    </p:ext>
+  </p:extLst>
 </p:presentation>
 </file>
 
@@ -256,7 +262,7 @@
           <a:p>
             <a:fld id="{8DC2CE38-8022-6744-B9C6-8F174E4CC084}" type="datetimeFigureOut">
               <a:rPr kumimoji="1" lang="zh-CN" altLang="en-US" smtClean="0"/>
-              <a:t>2021/9/7</a:t>
+              <a:t>2021/10/5</a:t>
             </a:fld>
             <a:endParaRPr kumimoji="1" lang="zh-CN" altLang="en-US"/>
           </a:p>
@@ -454,7 +460,7 @@
           <a:p>
             <a:fld id="{8DC2CE38-8022-6744-B9C6-8F174E4CC084}" type="datetimeFigureOut">
               <a:rPr kumimoji="1" lang="zh-CN" altLang="en-US" smtClean="0"/>
-              <a:t>2021/9/7</a:t>
+              <a:t>2021/10/5</a:t>
             </a:fld>
             <a:endParaRPr kumimoji="1" lang="zh-CN" altLang="en-US"/>
           </a:p>
@@ -662,7 +668,7 @@
           <a:p>
             <a:fld id="{8DC2CE38-8022-6744-B9C6-8F174E4CC084}" type="datetimeFigureOut">
               <a:rPr kumimoji="1" lang="zh-CN" altLang="en-US" smtClean="0"/>
-              <a:t>2021/9/7</a:t>
+              <a:t>2021/10/5</a:t>
             </a:fld>
             <a:endParaRPr kumimoji="1" lang="zh-CN" altLang="en-US"/>
           </a:p>
@@ -860,7 +866,7 @@
           <a:p>
             <a:fld id="{8DC2CE38-8022-6744-B9C6-8F174E4CC084}" type="datetimeFigureOut">
               <a:rPr kumimoji="1" lang="zh-CN" altLang="en-US" smtClean="0"/>
-              <a:t>2021/9/7</a:t>
+              <a:t>2021/10/5</a:t>
             </a:fld>
             <a:endParaRPr kumimoji="1" lang="zh-CN" altLang="en-US"/>
           </a:p>
@@ -1135,7 +1141,7 @@
           <a:p>
             <a:fld id="{8DC2CE38-8022-6744-B9C6-8F174E4CC084}" type="datetimeFigureOut">
               <a:rPr kumimoji="1" lang="zh-CN" altLang="en-US" smtClean="0"/>
-              <a:t>2021/9/7</a:t>
+              <a:t>2021/10/5</a:t>
             </a:fld>
             <a:endParaRPr kumimoji="1" lang="zh-CN" altLang="en-US"/>
           </a:p>
@@ -1400,7 +1406,7 @@
           <a:p>
             <a:fld id="{8DC2CE38-8022-6744-B9C6-8F174E4CC084}" type="datetimeFigureOut">
               <a:rPr kumimoji="1" lang="zh-CN" altLang="en-US" smtClean="0"/>
-              <a:t>2021/9/7</a:t>
+              <a:t>2021/10/5</a:t>
             </a:fld>
             <a:endParaRPr kumimoji="1" lang="zh-CN" altLang="en-US"/>
           </a:p>
@@ -1812,7 +1818,7 @@
           <a:p>
             <a:fld id="{8DC2CE38-8022-6744-B9C6-8F174E4CC084}" type="datetimeFigureOut">
               <a:rPr kumimoji="1" lang="zh-CN" altLang="en-US" smtClean="0"/>
-              <a:t>2021/9/7</a:t>
+              <a:t>2021/10/5</a:t>
             </a:fld>
             <a:endParaRPr kumimoji="1" lang="zh-CN" altLang="en-US"/>
           </a:p>
@@ -1953,7 +1959,7 @@
           <a:p>
             <a:fld id="{8DC2CE38-8022-6744-B9C6-8F174E4CC084}" type="datetimeFigureOut">
               <a:rPr kumimoji="1" lang="zh-CN" altLang="en-US" smtClean="0"/>
-              <a:t>2021/9/7</a:t>
+              <a:t>2021/10/5</a:t>
             </a:fld>
             <a:endParaRPr kumimoji="1" lang="zh-CN" altLang="en-US"/>
           </a:p>
@@ -2066,7 +2072,7 @@
           <a:p>
             <a:fld id="{8DC2CE38-8022-6744-B9C6-8F174E4CC084}" type="datetimeFigureOut">
               <a:rPr kumimoji="1" lang="zh-CN" altLang="en-US" smtClean="0"/>
-              <a:t>2021/9/7</a:t>
+              <a:t>2021/10/5</a:t>
             </a:fld>
             <a:endParaRPr kumimoji="1" lang="zh-CN" altLang="en-US"/>
           </a:p>
@@ -2377,7 +2383,7 @@
           <a:p>
             <a:fld id="{8DC2CE38-8022-6744-B9C6-8F174E4CC084}" type="datetimeFigureOut">
               <a:rPr kumimoji="1" lang="zh-CN" altLang="en-US" smtClean="0"/>
-              <a:t>2021/9/7</a:t>
+              <a:t>2021/10/5</a:t>
             </a:fld>
             <a:endParaRPr kumimoji="1" lang="zh-CN" altLang="en-US"/>
           </a:p>
@@ -2665,7 +2671,7 @@
           <a:p>
             <a:fld id="{8DC2CE38-8022-6744-B9C6-8F174E4CC084}" type="datetimeFigureOut">
               <a:rPr kumimoji="1" lang="zh-CN" altLang="en-US" smtClean="0"/>
-              <a:t>2021/9/7</a:t>
+              <a:t>2021/10/5</a:t>
             </a:fld>
             <a:endParaRPr kumimoji="1" lang="zh-CN" altLang="en-US"/>
           </a:p>
@@ -2906,7 +2912,7 @@
           <a:p>
             <a:fld id="{8DC2CE38-8022-6744-B9C6-8F174E4CC084}" type="datetimeFigureOut">
               <a:rPr kumimoji="1" lang="zh-CN" altLang="en-US" smtClean="0"/>
-              <a:t>2021/9/7</a:t>
+              <a:t>2021/10/5</a:t>
             </a:fld>
             <a:endParaRPr kumimoji="1" lang="zh-CN" altLang="en-US"/>
           </a:p>
@@ -3337,8 +3343,8 @@
         </p:nvGrpSpPr>
         <p:grpSpPr>
           <a:xfrm>
-            <a:off x="4186624" y="2458495"/>
-            <a:ext cx="3406132" cy="3069855"/>
+            <a:off x="4186624" y="2458496"/>
+            <a:ext cx="2222500" cy="2019720"/>
             <a:chOff x="-3386" y="-1"/>
             <a:chExt cx="8601744" cy="7752535"/>
           </a:xfrm>
@@ -4465,7 +4471,7 @@
         </p:nvSpPr>
         <p:spPr>
           <a:xfrm>
-            <a:off x="1924807" y="2520802"/>
+            <a:off x="1750409" y="2268071"/>
             <a:ext cx="2222500" cy="2708434"/>
           </a:xfrm>
           <a:prstGeom prst="rect">
@@ -4612,7 +4618,7 @@
         </p:nvSpPr>
         <p:spPr>
           <a:xfrm>
-            <a:off x="7623390" y="2520802"/>
+            <a:off x="6622818" y="2258980"/>
             <a:ext cx="3526512" cy="3046988"/>
           </a:xfrm>
           <a:prstGeom prst="rect">
@@ -4857,8 +4863,8 @@
         </p:nvSpPr>
         <p:spPr>
           <a:xfrm>
-            <a:off x="3792980" y="5527136"/>
-            <a:ext cx="4186384" cy="677108"/>
+            <a:off x="2042670" y="4601531"/>
+            <a:ext cx="4717974" cy="677108"/>
           </a:xfrm>
           <a:prstGeom prst="rect">
             <a:avLst/>
@@ -4898,7 +4904,7 @@
                 <a:latin typeface="Arial" panose="020B0604020202020204" pitchFamily="34" charset="0"/>
                 <a:cs typeface="Arial" panose="020B0604020202020204" pitchFamily="34" charset="0"/>
               </a:rPr>
-              <a:t>Python, R, PostgreSQL, Tableau, AMPL, Excel, …</a:t>
+              <a:t>Python, R, PostgreSQL, Tableau, AMPL, Excel, Latex…</a:t>
             </a:r>
             <a:endParaRPr lang="zh-CN" altLang="en-US" sz="1400" dirty="0">
               <a:solidFill>
@@ -4927,6 +4933,1930 @@
 </file>
 
 <file path=ppt/slides/slide2.xml><?xml version="1.0" encoding="utf-8"?>
+<p:sld xmlns:a="http://schemas.openxmlformats.org/drawingml/2006/main" xmlns:r="http://schemas.openxmlformats.org/officeDocument/2006/relationships" xmlns:p="http://schemas.openxmlformats.org/presentationml/2006/main">
+  <p:cSld>
+    <p:spTree>
+      <p:nvGrpSpPr>
+        <p:cNvPr id="1" name=""/>
+        <p:cNvGrpSpPr/>
+        <p:nvPr/>
+      </p:nvGrpSpPr>
+      <p:grpSpPr>
+        <a:xfrm>
+          <a:off x="0" y="0"/>
+          <a:ext cx="0" cy="0"/>
+          <a:chOff x="0" y="0"/>
+          <a:chExt cx="0" cy="0"/>
+        </a:xfrm>
+      </p:grpSpPr>
+      <p:grpSp>
+        <p:nvGrpSpPr>
+          <p:cNvPr id="4" name="Group 20865">
+            <a:extLst>
+              <a:ext uri="{FF2B5EF4-FFF2-40B4-BE49-F238E27FC236}">
+                <a16:creationId xmlns:a16="http://schemas.microsoft.com/office/drawing/2014/main" id="{05FBD822-E772-2A4B-AEB9-A9B0C19CB390}"/>
+              </a:ext>
+            </a:extLst>
+          </p:cNvPr>
+          <p:cNvGrpSpPr/>
+          <p:nvPr/>
+        </p:nvGrpSpPr>
+        <p:grpSpPr>
+          <a:xfrm>
+            <a:off x="4186624" y="2458496"/>
+            <a:ext cx="2222500" cy="2019720"/>
+            <a:chOff x="-3386" y="-1"/>
+            <a:chExt cx="8601744" cy="7752535"/>
+          </a:xfrm>
+        </p:grpSpPr>
+        <p:sp>
+          <p:nvSpPr>
+            <p:cNvPr id="5" name="Shape 20857">
+              <a:extLst>
+                <a:ext uri="{FF2B5EF4-FFF2-40B4-BE49-F238E27FC236}">
+                  <a16:creationId xmlns:a16="http://schemas.microsoft.com/office/drawing/2014/main" id="{5E5BB778-1F1F-544D-8801-94F65479FD46}"/>
+                </a:ext>
+              </a:extLst>
+            </p:cNvPr>
+            <p:cNvSpPr/>
+            <p:nvPr/>
+          </p:nvSpPr>
+          <p:spPr>
+            <a:xfrm>
+              <a:off x="3117171" y="4432228"/>
+              <a:ext cx="2287481" cy="507926"/>
+            </a:xfrm>
+            <a:custGeom>
+              <a:avLst/>
+              <a:gdLst/>
+              <a:ahLst/>
+              <a:cxnLst>
+                <a:cxn ang="0">
+                  <a:pos x="wd2" y="hd2"/>
+                </a:cxn>
+                <a:cxn ang="5400000">
+                  <a:pos x="wd2" y="hd2"/>
+                </a:cxn>
+                <a:cxn ang="10800000">
+                  <a:pos x="wd2" y="hd2"/>
+                </a:cxn>
+                <a:cxn ang="16200000">
+                  <a:pos x="wd2" y="hd2"/>
+                </a:cxn>
+              </a:cxnLst>
+              <a:rect l="0" t="0" r="r" b="b"/>
+              <a:pathLst>
+                <a:path w="21572" h="21586" extrusionOk="0">
+                  <a:moveTo>
+                    <a:pt x="10791" y="21578"/>
+                  </a:moveTo>
+                  <a:cubicBezTo>
+                    <a:pt x="7777" y="21581"/>
+                    <a:pt x="4764" y="21596"/>
+                    <a:pt x="1750" y="21574"/>
+                  </a:cubicBezTo>
+                  <a:cubicBezTo>
+                    <a:pt x="427" y="21564"/>
+                    <a:pt x="17" y="19711"/>
+                    <a:pt x="4" y="13827"/>
+                  </a:cubicBezTo>
+                  <a:cubicBezTo>
+                    <a:pt x="-27" y="286"/>
+                    <a:pt x="38" y="-3"/>
+                    <a:pt x="3046" y="0"/>
+                  </a:cubicBezTo>
+                  <a:cubicBezTo>
+                    <a:pt x="8553" y="4"/>
+                    <a:pt x="14061" y="-4"/>
+                    <a:pt x="19568" y="6"/>
+                  </a:cubicBezTo>
+                  <a:cubicBezTo>
+                    <a:pt x="21187" y="9"/>
+                    <a:pt x="21572" y="1783"/>
+                    <a:pt x="21572" y="9125"/>
+                  </a:cubicBezTo>
+                  <a:cubicBezTo>
+                    <a:pt x="21573" y="21570"/>
+                    <a:pt x="21573" y="21572"/>
+                    <a:pt x="18793" y="21575"/>
+                  </a:cubicBezTo>
+                  <a:cubicBezTo>
+                    <a:pt x="16125" y="21578"/>
+                    <a:pt x="13458" y="21576"/>
+                    <a:pt x="10791" y="21578"/>
+                  </a:cubicBezTo>
+                  <a:close/>
+                </a:path>
+              </a:pathLst>
+            </a:custGeom>
+            <a:solidFill>
+              <a:schemeClr val="accent5">
+                <a:lumMod val="40000"/>
+                <a:lumOff val="60000"/>
+              </a:schemeClr>
+            </a:solidFill>
+            <a:ln w="12700" cap="flat">
+              <a:noFill/>
+              <a:miter lim="400000"/>
+            </a:ln>
+            <a:effectLst/>
+          </p:spPr>
+          <p:txBody>
+            <a:bodyPr wrap="square" lIns="50058" tIns="50058" rIns="50058" bIns="50058" numCol="1" anchor="ctr">
+              <a:noAutofit/>
+            </a:bodyPr>
+            <a:lstStyle/>
+            <a:p>
+              <a:pPr defTabSz="168910">
+                <a:defRPr sz="3000">
+                  <a:solidFill>
+                    <a:srgbClr val="FFFFFF"/>
+                  </a:solidFill>
+                  <a:effectLst>
+                    <a:outerShdw blurRad="38100" dist="12700" dir="5400000" rotWithShape="0">
+                      <a:srgbClr val="000000">
+                        <a:alpha val="50000"/>
+                      </a:srgbClr>
+                    </a:outerShdw>
+                  </a:effectLst>
+                  <a:latin typeface="Gill Sans"/>
+                  <a:ea typeface="Gill Sans"/>
+                  <a:cs typeface="Gill Sans"/>
+                  <a:sym typeface="Gill Sans"/>
+                </a:defRPr>
+              </a:pPr>
+              <a:endParaRPr sz="3940" dirty="0">
+                <a:latin typeface="Noto Sans S Chinese Thin" panose="020B0200000000000000" pitchFamily="34" charset="-122"/>
+                <a:ea typeface="Noto Sans S Chinese Thin" panose="020B0200000000000000" pitchFamily="34" charset="-122"/>
+              </a:endParaRPr>
+            </a:p>
+          </p:txBody>
+        </p:sp>
+        <p:sp>
+          <p:nvSpPr>
+            <p:cNvPr id="6" name="Shape 20858">
+              <a:extLst>
+                <a:ext uri="{FF2B5EF4-FFF2-40B4-BE49-F238E27FC236}">
+                  <a16:creationId xmlns:a16="http://schemas.microsoft.com/office/drawing/2014/main" id="{E1D7153D-CD20-1647-B86D-A3B82F2130B7}"/>
+                </a:ext>
+              </a:extLst>
+            </p:cNvPr>
+            <p:cNvSpPr/>
+            <p:nvPr/>
+          </p:nvSpPr>
+          <p:spPr>
+            <a:xfrm>
+              <a:off x="3190230" y="5041051"/>
+              <a:ext cx="2113106" cy="467046"/>
+            </a:xfrm>
+            <a:custGeom>
+              <a:avLst/>
+              <a:gdLst/>
+              <a:ahLst/>
+              <a:cxnLst>
+                <a:cxn ang="0">
+                  <a:pos x="wd2" y="hd2"/>
+                </a:cxn>
+                <a:cxn ang="5400000">
+                  <a:pos x="wd2" y="hd2"/>
+                </a:cxn>
+                <a:cxn ang="10800000">
+                  <a:pos x="wd2" y="hd2"/>
+                </a:cxn>
+                <a:cxn ang="16200000">
+                  <a:pos x="wd2" y="hd2"/>
+                </a:cxn>
+              </a:cxnLst>
+              <a:rect l="0" t="0" r="r" b="b"/>
+              <a:pathLst>
+                <a:path w="21577" h="21580" extrusionOk="0">
+                  <a:moveTo>
+                    <a:pt x="10785" y="5"/>
+                  </a:moveTo>
+                  <a:cubicBezTo>
+                    <a:pt x="13786" y="7"/>
+                    <a:pt x="16787" y="-13"/>
+                    <a:pt x="19788" y="15"/>
+                  </a:cubicBezTo>
+                  <a:cubicBezTo>
+                    <a:pt x="21168" y="28"/>
+                    <a:pt x="21561" y="1885"/>
+                    <a:pt x="21573" y="8257"/>
+                  </a:cubicBezTo>
+                  <a:cubicBezTo>
+                    <a:pt x="21600" y="21583"/>
+                    <a:pt x="21600" y="21580"/>
+                    <a:pt x="18666" y="21578"/>
+                  </a:cubicBezTo>
+                  <a:cubicBezTo>
+                    <a:pt x="13114" y="21575"/>
+                    <a:pt x="7563" y="21587"/>
+                    <a:pt x="2011" y="21570"/>
+                  </a:cubicBezTo>
+                  <a:cubicBezTo>
+                    <a:pt x="279" y="21565"/>
+                    <a:pt x="5" y="20278"/>
+                    <a:pt x="1" y="12350"/>
+                  </a:cubicBezTo>
+                  <a:cubicBezTo>
+                    <a:pt x="0" y="11162"/>
+                    <a:pt x="0" y="9974"/>
+                    <a:pt x="1" y="8785"/>
+                  </a:cubicBezTo>
+                  <a:cubicBezTo>
+                    <a:pt x="7" y="1715"/>
+                    <a:pt x="370" y="16"/>
+                    <a:pt x="1895" y="8"/>
+                  </a:cubicBezTo>
+                  <a:cubicBezTo>
+                    <a:pt x="4858" y="-7"/>
+                    <a:pt x="7822" y="3"/>
+                    <a:pt x="10785" y="5"/>
+                  </a:cubicBezTo>
+                  <a:close/>
+                </a:path>
+              </a:pathLst>
+            </a:custGeom>
+            <a:solidFill>
+              <a:schemeClr val="accent2">
+                <a:lumMod val="40000"/>
+                <a:lumOff val="60000"/>
+              </a:schemeClr>
+            </a:solidFill>
+            <a:ln w="12700" cap="flat">
+              <a:noFill/>
+              <a:miter lim="400000"/>
+            </a:ln>
+            <a:effectLst/>
+          </p:spPr>
+          <p:txBody>
+            <a:bodyPr wrap="square" lIns="50058" tIns="50058" rIns="50058" bIns="50058" numCol="1" anchor="ctr">
+              <a:noAutofit/>
+            </a:bodyPr>
+            <a:lstStyle/>
+            <a:p>
+              <a:pPr defTabSz="168910">
+                <a:defRPr sz="3000">
+                  <a:solidFill>
+                    <a:srgbClr val="FFFFFF"/>
+                  </a:solidFill>
+                  <a:effectLst>
+                    <a:outerShdw blurRad="38100" dist="12700" dir="5400000" rotWithShape="0">
+                      <a:srgbClr val="000000">
+                        <a:alpha val="50000"/>
+                      </a:srgbClr>
+                    </a:outerShdw>
+                  </a:effectLst>
+                  <a:latin typeface="Gill Sans"/>
+                  <a:ea typeface="Gill Sans"/>
+                  <a:cs typeface="Gill Sans"/>
+                  <a:sym typeface="Gill Sans"/>
+                </a:defRPr>
+              </a:pPr>
+              <a:endParaRPr sz="3940">
+                <a:latin typeface="Noto Sans S Chinese Thin" panose="020B0200000000000000" pitchFamily="34" charset="-122"/>
+                <a:ea typeface="Noto Sans S Chinese Thin" panose="020B0200000000000000" pitchFamily="34" charset="-122"/>
+              </a:endParaRPr>
+            </a:p>
+          </p:txBody>
+        </p:sp>
+        <p:sp>
+          <p:nvSpPr>
+            <p:cNvPr id="7" name="Shape 20859">
+              <a:extLst>
+                <a:ext uri="{FF2B5EF4-FFF2-40B4-BE49-F238E27FC236}">
+                  <a16:creationId xmlns:a16="http://schemas.microsoft.com/office/drawing/2014/main" id="{B108FD9E-5CF2-D646-947F-88BBA009B6AF}"/>
+                </a:ext>
+              </a:extLst>
+            </p:cNvPr>
+            <p:cNvSpPr/>
+            <p:nvPr/>
+          </p:nvSpPr>
+          <p:spPr>
+            <a:xfrm>
+              <a:off x="3628582" y="5576815"/>
+              <a:ext cx="1267570" cy="521631"/>
+            </a:xfrm>
+            <a:custGeom>
+              <a:avLst/>
+              <a:gdLst/>
+              <a:ahLst/>
+              <a:cxnLst>
+                <a:cxn ang="0">
+                  <a:pos x="wd2" y="hd2"/>
+                </a:cxn>
+                <a:cxn ang="5400000">
+                  <a:pos x="wd2" y="hd2"/>
+                </a:cxn>
+                <a:cxn ang="10800000">
+                  <a:pos x="wd2" y="hd2"/>
+                </a:cxn>
+                <a:cxn ang="16200000">
+                  <a:pos x="wd2" y="hd2"/>
+                </a:cxn>
+              </a:cxnLst>
+              <a:rect l="0" t="0" r="r" b="b"/>
+              <a:pathLst>
+                <a:path w="21600" h="21183" extrusionOk="0">
+                  <a:moveTo>
+                    <a:pt x="21600" y="0"/>
+                  </a:moveTo>
+                  <a:cubicBezTo>
+                    <a:pt x="19642" y="13790"/>
+                    <a:pt x="15118" y="21600"/>
+                    <a:pt x="9491" y="21165"/>
+                  </a:cubicBezTo>
+                  <a:cubicBezTo>
+                    <a:pt x="5284" y="20841"/>
+                    <a:pt x="1258" y="11943"/>
+                    <a:pt x="0" y="0"/>
+                  </a:cubicBezTo>
+                  <a:cubicBezTo>
+                    <a:pt x="7174" y="0"/>
+                    <a:pt x="14324" y="0"/>
+                    <a:pt x="21600" y="0"/>
+                  </a:cubicBezTo>
+                  <a:close/>
+                </a:path>
+              </a:pathLst>
+            </a:custGeom>
+            <a:solidFill>
+              <a:schemeClr val="accent5">
+                <a:lumMod val="40000"/>
+                <a:lumOff val="60000"/>
+              </a:schemeClr>
+            </a:solidFill>
+            <a:ln w="12700" cap="flat">
+              <a:noFill/>
+              <a:miter lim="400000"/>
+            </a:ln>
+            <a:effectLst/>
+          </p:spPr>
+          <p:txBody>
+            <a:bodyPr wrap="square" lIns="50058" tIns="50058" rIns="50058" bIns="50058" numCol="1" anchor="ctr">
+              <a:noAutofit/>
+            </a:bodyPr>
+            <a:lstStyle/>
+            <a:p>
+              <a:pPr defTabSz="168910">
+                <a:defRPr sz="3000">
+                  <a:solidFill>
+                    <a:srgbClr val="FFFFFF"/>
+                  </a:solidFill>
+                  <a:effectLst>
+                    <a:outerShdw blurRad="38100" dist="12700" dir="5400000" rotWithShape="0">
+                      <a:srgbClr val="000000">
+                        <a:alpha val="50000"/>
+                      </a:srgbClr>
+                    </a:outerShdw>
+                  </a:effectLst>
+                  <a:latin typeface="Gill Sans"/>
+                  <a:ea typeface="Gill Sans"/>
+                  <a:cs typeface="Gill Sans"/>
+                  <a:sym typeface="Gill Sans"/>
+                </a:defRPr>
+              </a:pPr>
+              <a:endParaRPr sz="3940">
+                <a:latin typeface="Noto Sans S Chinese Thin" panose="020B0200000000000000" pitchFamily="34" charset="-122"/>
+                <a:ea typeface="Noto Sans S Chinese Thin" panose="020B0200000000000000" pitchFamily="34" charset="-122"/>
+              </a:endParaRPr>
+            </a:p>
+          </p:txBody>
+        </p:sp>
+        <p:sp>
+          <p:nvSpPr>
+            <p:cNvPr id="8" name="Shape 20861">
+              <a:extLst>
+                <a:ext uri="{FF2B5EF4-FFF2-40B4-BE49-F238E27FC236}">
+                  <a16:creationId xmlns:a16="http://schemas.microsoft.com/office/drawing/2014/main" id="{32A555C4-582E-C44A-A938-60003EA7547A}"/>
+                </a:ext>
+              </a:extLst>
+            </p:cNvPr>
+            <p:cNvSpPr/>
+            <p:nvPr/>
+          </p:nvSpPr>
+          <p:spPr>
+            <a:xfrm>
+              <a:off x="2363171" y="-1"/>
+              <a:ext cx="6235187" cy="7752535"/>
+            </a:xfrm>
+            <a:custGeom>
+              <a:avLst/>
+              <a:gdLst/>
+              <a:ahLst/>
+              <a:cxnLst>
+                <a:cxn ang="0">
+                  <a:pos x="wd2" y="hd2"/>
+                </a:cxn>
+                <a:cxn ang="5400000">
+                  <a:pos x="wd2" y="hd2"/>
+                </a:cxn>
+                <a:cxn ang="10800000">
+                  <a:pos x="wd2" y="hd2"/>
+                </a:cxn>
+                <a:cxn ang="16200000">
+                  <a:pos x="wd2" y="hd2"/>
+                </a:cxn>
+              </a:cxnLst>
+              <a:rect l="0" t="0" r="r" b="b"/>
+              <a:pathLst>
+                <a:path w="21328" h="21507" extrusionOk="0">
+                  <a:moveTo>
+                    <a:pt x="21000" y="11075"/>
+                  </a:moveTo>
+                  <a:cubicBezTo>
+                    <a:pt x="20729" y="10821"/>
+                    <a:pt x="20450" y="10565"/>
+                    <a:pt x="20128" y="10357"/>
+                  </a:cubicBezTo>
+                  <a:cubicBezTo>
+                    <a:pt x="19289" y="9811"/>
+                    <a:pt x="19114" y="9081"/>
+                    <a:pt x="19276" y="8292"/>
+                  </a:cubicBezTo>
+                  <a:cubicBezTo>
+                    <a:pt x="19423" y="7580"/>
+                    <a:pt x="19421" y="6879"/>
+                    <a:pt x="19333" y="6166"/>
+                  </a:cubicBezTo>
+                  <a:cubicBezTo>
+                    <a:pt x="19176" y="4884"/>
+                    <a:pt x="18556" y="3775"/>
+                    <a:pt x="17492" y="2830"/>
+                  </a:cubicBezTo>
+                  <a:lnTo>
+                    <a:pt x="16976" y="2343"/>
+                  </a:lnTo>
+                  <a:cubicBezTo>
+                    <a:pt x="16233" y="1757"/>
+                    <a:pt x="15402" y="1272"/>
+                    <a:pt x="14468" y="901"/>
+                  </a:cubicBezTo>
+                  <a:cubicBezTo>
+                    <a:pt x="13292" y="434"/>
+                    <a:pt x="12042" y="227"/>
+                    <a:pt x="10752" y="87"/>
+                  </a:cubicBezTo>
+                  <a:cubicBezTo>
+                    <a:pt x="9128" y="-89"/>
+                    <a:pt x="7533" y="-7"/>
+                    <a:pt x="6004" y="428"/>
+                  </a:cubicBezTo>
+                  <a:cubicBezTo>
+                    <a:pt x="4668" y="807"/>
+                    <a:pt x="3516" y="1439"/>
+                    <a:pt x="2583" y="2347"/>
+                  </a:cubicBezTo>
+                  <a:cubicBezTo>
+                    <a:pt x="1672" y="3232"/>
+                    <a:pt x="888" y="4157"/>
+                    <a:pt x="418" y="5253"/>
+                  </a:cubicBezTo>
+                  <a:cubicBezTo>
+                    <a:pt x="305" y="5375"/>
+                    <a:pt x="82" y="5971"/>
+                    <a:pt x="24" y="6848"/>
+                  </a:cubicBezTo>
+                  <a:cubicBezTo>
+                    <a:pt x="-20" y="7279"/>
+                    <a:pt x="-3" y="7704"/>
+                    <a:pt x="64" y="8125"/>
+                  </a:cubicBezTo>
+                  <a:cubicBezTo>
+                    <a:pt x="211" y="9293"/>
+                    <a:pt x="689" y="10691"/>
+                    <a:pt x="1845" y="12079"/>
+                  </a:cubicBezTo>
+                  <a:lnTo>
+                    <a:pt x="3314" y="12079"/>
+                  </a:lnTo>
+                  <a:lnTo>
+                    <a:pt x="4747" y="12079"/>
+                  </a:lnTo>
+                  <a:cubicBezTo>
+                    <a:pt x="4189" y="11772"/>
+                    <a:pt x="3753" y="11220"/>
+                    <a:pt x="3433" y="10556"/>
+                  </a:cubicBezTo>
+                  <a:cubicBezTo>
+                    <a:pt x="2868" y="9731"/>
+                    <a:pt x="2545" y="8776"/>
+                    <a:pt x="2545" y="7759"/>
+                  </a:cubicBezTo>
+                  <a:cubicBezTo>
+                    <a:pt x="2545" y="4629"/>
+                    <a:pt x="5602" y="2092"/>
+                    <a:pt x="9374" y="2092"/>
+                  </a:cubicBezTo>
+                  <a:cubicBezTo>
+                    <a:pt x="9850" y="2092"/>
+                    <a:pt x="10314" y="2132"/>
+                    <a:pt x="10762" y="2209"/>
+                  </a:cubicBezTo>
+                  <a:cubicBezTo>
+                    <a:pt x="11484" y="2295"/>
+                    <a:pt x="12164" y="2517"/>
+                    <a:pt x="12773" y="2843"/>
+                  </a:cubicBezTo>
+                  <a:cubicBezTo>
+                    <a:pt x="13108" y="3002"/>
+                    <a:pt x="13424" y="3185"/>
+                    <a:pt x="13719" y="3387"/>
+                  </a:cubicBezTo>
+                  <a:cubicBezTo>
+                    <a:pt x="15179" y="4365"/>
+                    <a:pt x="16215" y="5829"/>
+                    <a:pt x="16533" y="7513"/>
+                  </a:cubicBezTo>
+                  <a:cubicBezTo>
+                    <a:pt x="16776" y="8535"/>
+                    <a:pt x="16748" y="9596"/>
+                    <a:pt x="16436" y="10700"/>
+                  </a:cubicBezTo>
+                  <a:lnTo>
+                    <a:pt x="15760" y="12178"/>
+                  </a:lnTo>
+                  <a:cubicBezTo>
+                    <a:pt x="15074" y="13296"/>
+                    <a:pt x="14155" y="14267"/>
+                    <a:pt x="13029" y="15113"/>
+                  </a:cubicBezTo>
+                  <a:lnTo>
+                    <a:pt x="12273" y="15638"/>
+                  </a:lnTo>
+                  <a:cubicBezTo>
+                    <a:pt x="11060" y="16451"/>
+                    <a:pt x="9693" y="17028"/>
+                    <a:pt x="8167" y="17378"/>
+                  </a:cubicBezTo>
+                  <a:cubicBezTo>
+                    <a:pt x="7516" y="17527"/>
+                    <a:pt x="6839" y="17745"/>
+                    <a:pt x="6312" y="18076"/>
+                  </a:cubicBezTo>
+                  <a:cubicBezTo>
+                    <a:pt x="5108" y="18832"/>
+                    <a:pt x="4609" y="19905"/>
+                    <a:pt x="4548" y="21126"/>
+                  </a:cubicBezTo>
+                  <a:cubicBezTo>
+                    <a:pt x="4533" y="21421"/>
+                    <a:pt x="4660" y="21511"/>
+                    <a:pt x="5023" y="21507"/>
+                  </a:cubicBezTo>
+                  <a:cubicBezTo>
+                    <a:pt x="7410" y="21481"/>
+                    <a:pt x="9798" y="21470"/>
+                    <a:pt x="12185" y="21454"/>
+                  </a:cubicBezTo>
+                  <a:cubicBezTo>
+                    <a:pt x="12198" y="21454"/>
+                    <a:pt x="12210" y="21455"/>
+                    <a:pt x="12223" y="21454"/>
+                  </a:cubicBezTo>
+                  <a:cubicBezTo>
+                    <a:pt x="12319" y="21444"/>
+                    <a:pt x="12415" y="21434"/>
+                    <a:pt x="12541" y="21420"/>
+                  </a:cubicBezTo>
+                  <a:cubicBezTo>
+                    <a:pt x="12541" y="20844"/>
+                    <a:pt x="12500" y="20285"/>
+                    <a:pt x="12551" y="19731"/>
+                  </a:cubicBezTo>
+                  <a:cubicBezTo>
+                    <a:pt x="12607" y="19128"/>
+                    <a:pt x="12912" y="18587"/>
+                    <a:pt x="13430" y="18144"/>
+                  </a:cubicBezTo>
+                  <a:cubicBezTo>
+                    <a:pt x="13669" y="17939"/>
+                    <a:pt x="13922" y="17760"/>
+                    <a:pt x="14343" y="17836"/>
+                  </a:cubicBezTo>
+                  <a:cubicBezTo>
+                    <a:pt x="15014" y="17957"/>
+                    <a:pt x="15694" y="18049"/>
+                    <a:pt x="16376" y="18123"/>
+                  </a:cubicBezTo>
+                  <a:cubicBezTo>
+                    <a:pt x="16953" y="18186"/>
+                    <a:pt x="17532" y="18162"/>
+                    <a:pt x="18072" y="17955"/>
+                  </a:cubicBezTo>
+                  <a:cubicBezTo>
+                    <a:pt x="18526" y="17782"/>
+                    <a:pt x="18728" y="17356"/>
+                    <a:pt x="18525" y="17039"/>
+                  </a:cubicBezTo>
+                  <a:cubicBezTo>
+                    <a:pt x="18161" y="16471"/>
+                    <a:pt x="18215" y="16240"/>
+                    <a:pt x="18749" y="15765"/>
+                  </a:cubicBezTo>
+                  <a:cubicBezTo>
+                    <a:pt x="18888" y="15641"/>
+                    <a:pt x="19043" y="15428"/>
+                    <a:pt x="19000" y="15297"/>
+                  </a:cubicBezTo>
+                  <a:cubicBezTo>
+                    <a:pt x="18938" y="15108"/>
+                    <a:pt x="18702" y="14956"/>
+                    <a:pt x="18544" y="14793"/>
+                  </a:cubicBezTo>
+                  <a:cubicBezTo>
+                    <a:pt x="18618" y="14764"/>
+                    <a:pt x="18803" y="14728"/>
+                    <a:pt x="18917" y="14635"/>
+                  </a:cubicBezTo>
+                  <a:cubicBezTo>
+                    <a:pt x="19007" y="14562"/>
+                    <a:pt x="19074" y="14404"/>
+                    <a:pt x="19043" y="14307"/>
+                  </a:cubicBezTo>
+                  <a:cubicBezTo>
+                    <a:pt x="18644" y="13091"/>
+                    <a:pt x="19086" y="12594"/>
+                    <a:pt x="20295" y="12330"/>
+                  </a:cubicBezTo>
+                  <a:cubicBezTo>
+                    <a:pt x="20368" y="12314"/>
+                    <a:pt x="20440" y="12297"/>
+                    <a:pt x="20513" y="12283"/>
+                  </a:cubicBezTo>
+                  <a:cubicBezTo>
+                    <a:pt x="21374" y="12112"/>
+                    <a:pt x="21580" y="11618"/>
+                    <a:pt x="21000" y="11075"/>
+                  </a:cubicBezTo>
+                  <a:close/>
+                </a:path>
+              </a:pathLst>
+            </a:custGeom>
+            <a:solidFill>
+              <a:schemeClr val="accent5">
+                <a:lumMod val="40000"/>
+                <a:lumOff val="60000"/>
+              </a:schemeClr>
+            </a:solidFill>
+            <a:ln w="12700" cap="flat">
+              <a:noFill/>
+              <a:miter lim="400000"/>
+            </a:ln>
+            <a:effectLst/>
+          </p:spPr>
+          <p:txBody>
+            <a:bodyPr wrap="square" lIns="50058" tIns="50058" rIns="50058" bIns="50058" numCol="1" anchor="ctr">
+              <a:noAutofit/>
+            </a:bodyPr>
+            <a:lstStyle/>
+            <a:p>
+              <a:pPr defTabSz="168910">
+                <a:defRPr sz="3000">
+                  <a:solidFill>
+                    <a:srgbClr val="FFFFFF"/>
+                  </a:solidFill>
+                  <a:effectLst>
+                    <a:outerShdw blurRad="38100" dist="12700" dir="5400000" rotWithShape="0">
+                      <a:srgbClr val="000000">
+                        <a:alpha val="50000"/>
+                      </a:srgbClr>
+                    </a:outerShdw>
+                  </a:effectLst>
+                  <a:latin typeface="Gill Sans"/>
+                  <a:ea typeface="Gill Sans"/>
+                  <a:cs typeface="Gill Sans"/>
+                  <a:sym typeface="Gill Sans"/>
+                </a:defRPr>
+              </a:pPr>
+              <a:endParaRPr sz="3940" dirty="0">
+                <a:latin typeface="Noto Sans S Chinese Thin" panose="020B0200000000000000" pitchFamily="34" charset="-122"/>
+                <a:ea typeface="Noto Sans S Chinese Thin" panose="020B0200000000000000" pitchFamily="34" charset="-122"/>
+              </a:endParaRPr>
+            </a:p>
+          </p:txBody>
+        </p:sp>
+        <p:sp>
+          <p:nvSpPr>
+            <p:cNvPr id="9" name="Shape 20863">
+              <a:extLst>
+                <a:ext uri="{FF2B5EF4-FFF2-40B4-BE49-F238E27FC236}">
+                  <a16:creationId xmlns:a16="http://schemas.microsoft.com/office/drawing/2014/main" id="{C063841E-E194-2742-9C5E-FF6154AE0DF8}"/>
+                </a:ext>
+              </a:extLst>
+            </p:cNvPr>
+            <p:cNvSpPr/>
+            <p:nvPr/>
+          </p:nvSpPr>
+          <p:spPr>
+            <a:xfrm>
+              <a:off x="-3386" y="-1"/>
+              <a:ext cx="6235177" cy="7752535"/>
+            </a:xfrm>
+            <a:custGeom>
+              <a:avLst/>
+              <a:gdLst/>
+              <a:ahLst/>
+              <a:cxnLst>
+                <a:cxn ang="0">
+                  <a:pos x="wd2" y="hd2"/>
+                </a:cxn>
+                <a:cxn ang="5400000">
+                  <a:pos x="wd2" y="hd2"/>
+                </a:cxn>
+                <a:cxn ang="10800000">
+                  <a:pos x="wd2" y="hd2"/>
+                </a:cxn>
+                <a:cxn ang="16200000">
+                  <a:pos x="wd2" y="hd2"/>
+                </a:cxn>
+              </a:cxnLst>
+              <a:rect l="0" t="0" r="r" b="b"/>
+              <a:pathLst>
+                <a:path w="21328" h="21507" extrusionOk="0">
+                  <a:moveTo>
+                    <a:pt x="328" y="11075"/>
+                  </a:moveTo>
+                  <a:cubicBezTo>
+                    <a:pt x="599" y="10821"/>
+                    <a:pt x="878" y="10565"/>
+                    <a:pt x="1200" y="10357"/>
+                  </a:cubicBezTo>
+                  <a:cubicBezTo>
+                    <a:pt x="2039" y="9811"/>
+                    <a:pt x="2214" y="9081"/>
+                    <a:pt x="2052" y="8292"/>
+                  </a:cubicBezTo>
+                  <a:cubicBezTo>
+                    <a:pt x="1905" y="7580"/>
+                    <a:pt x="1907" y="6879"/>
+                    <a:pt x="1995" y="6166"/>
+                  </a:cubicBezTo>
+                  <a:cubicBezTo>
+                    <a:pt x="2152" y="4884"/>
+                    <a:pt x="2771" y="3775"/>
+                    <a:pt x="3836" y="2830"/>
+                  </a:cubicBezTo>
+                  <a:lnTo>
+                    <a:pt x="4352" y="2343"/>
+                  </a:lnTo>
+                  <a:cubicBezTo>
+                    <a:pt x="5095" y="1757"/>
+                    <a:pt x="5926" y="1272"/>
+                    <a:pt x="6860" y="901"/>
+                  </a:cubicBezTo>
+                  <a:cubicBezTo>
+                    <a:pt x="8036" y="434"/>
+                    <a:pt x="9286" y="227"/>
+                    <a:pt x="10576" y="87"/>
+                  </a:cubicBezTo>
+                  <a:cubicBezTo>
+                    <a:pt x="12200" y="-89"/>
+                    <a:pt x="13795" y="-7"/>
+                    <a:pt x="15324" y="428"/>
+                  </a:cubicBezTo>
+                  <a:cubicBezTo>
+                    <a:pt x="16660" y="807"/>
+                    <a:pt x="17812" y="1439"/>
+                    <a:pt x="18745" y="2347"/>
+                  </a:cubicBezTo>
+                  <a:cubicBezTo>
+                    <a:pt x="19656" y="3232"/>
+                    <a:pt x="20440" y="4157"/>
+                    <a:pt x="20910" y="5253"/>
+                  </a:cubicBezTo>
+                  <a:cubicBezTo>
+                    <a:pt x="21023" y="5375"/>
+                    <a:pt x="21247" y="5971"/>
+                    <a:pt x="21304" y="6848"/>
+                  </a:cubicBezTo>
+                  <a:cubicBezTo>
+                    <a:pt x="21348" y="7279"/>
+                    <a:pt x="21331" y="7704"/>
+                    <a:pt x="21264" y="8125"/>
+                  </a:cubicBezTo>
+                  <a:cubicBezTo>
+                    <a:pt x="21117" y="9293"/>
+                    <a:pt x="20639" y="10691"/>
+                    <a:pt x="19483" y="12079"/>
+                  </a:cubicBezTo>
+                  <a:lnTo>
+                    <a:pt x="18014" y="12079"/>
+                  </a:lnTo>
+                  <a:lnTo>
+                    <a:pt x="16581" y="12079"/>
+                  </a:lnTo>
+                  <a:cubicBezTo>
+                    <a:pt x="17139" y="11772"/>
+                    <a:pt x="17575" y="11220"/>
+                    <a:pt x="17895" y="10556"/>
+                  </a:cubicBezTo>
+                  <a:cubicBezTo>
+                    <a:pt x="18460" y="9731"/>
+                    <a:pt x="18783" y="8776"/>
+                    <a:pt x="18783" y="7759"/>
+                  </a:cubicBezTo>
+                  <a:cubicBezTo>
+                    <a:pt x="18783" y="4629"/>
+                    <a:pt x="15726" y="2092"/>
+                    <a:pt x="11954" y="2092"/>
+                  </a:cubicBezTo>
+                  <a:cubicBezTo>
+                    <a:pt x="11478" y="2092"/>
+                    <a:pt x="11014" y="2132"/>
+                    <a:pt x="10566" y="2209"/>
+                  </a:cubicBezTo>
+                  <a:cubicBezTo>
+                    <a:pt x="9844" y="2295"/>
+                    <a:pt x="9164" y="2517"/>
+                    <a:pt x="8555" y="2843"/>
+                  </a:cubicBezTo>
+                  <a:cubicBezTo>
+                    <a:pt x="8220" y="3002"/>
+                    <a:pt x="7904" y="3185"/>
+                    <a:pt x="7609" y="3387"/>
+                  </a:cubicBezTo>
+                  <a:cubicBezTo>
+                    <a:pt x="6149" y="4365"/>
+                    <a:pt x="5113" y="5829"/>
+                    <a:pt x="4795" y="7513"/>
+                  </a:cubicBezTo>
+                  <a:cubicBezTo>
+                    <a:pt x="4552" y="8535"/>
+                    <a:pt x="4580" y="9596"/>
+                    <a:pt x="4892" y="10700"/>
+                  </a:cubicBezTo>
+                  <a:lnTo>
+                    <a:pt x="5568" y="12178"/>
+                  </a:lnTo>
+                  <a:cubicBezTo>
+                    <a:pt x="6254" y="13296"/>
+                    <a:pt x="7173" y="14267"/>
+                    <a:pt x="8299" y="15113"/>
+                  </a:cubicBezTo>
+                  <a:lnTo>
+                    <a:pt x="9055" y="15638"/>
+                  </a:lnTo>
+                  <a:cubicBezTo>
+                    <a:pt x="10268" y="16451"/>
+                    <a:pt x="11635" y="17028"/>
+                    <a:pt x="13161" y="17378"/>
+                  </a:cubicBezTo>
+                  <a:cubicBezTo>
+                    <a:pt x="13812" y="17527"/>
+                    <a:pt x="14489" y="17745"/>
+                    <a:pt x="15016" y="18076"/>
+                  </a:cubicBezTo>
+                  <a:cubicBezTo>
+                    <a:pt x="16220" y="18832"/>
+                    <a:pt x="16719" y="19905"/>
+                    <a:pt x="16780" y="21126"/>
+                  </a:cubicBezTo>
+                  <a:cubicBezTo>
+                    <a:pt x="16795" y="21421"/>
+                    <a:pt x="16668" y="21511"/>
+                    <a:pt x="16305" y="21507"/>
+                  </a:cubicBezTo>
+                  <a:cubicBezTo>
+                    <a:pt x="13918" y="21481"/>
+                    <a:pt x="11530" y="21470"/>
+                    <a:pt x="9143" y="21454"/>
+                  </a:cubicBezTo>
+                  <a:cubicBezTo>
+                    <a:pt x="9130" y="21454"/>
+                    <a:pt x="9118" y="21455"/>
+                    <a:pt x="9105" y="21454"/>
+                  </a:cubicBezTo>
+                  <a:cubicBezTo>
+                    <a:pt x="9009" y="21444"/>
+                    <a:pt x="8913" y="21434"/>
+                    <a:pt x="8787" y="21420"/>
+                  </a:cubicBezTo>
+                  <a:cubicBezTo>
+                    <a:pt x="8787" y="20844"/>
+                    <a:pt x="8828" y="20285"/>
+                    <a:pt x="8777" y="19731"/>
+                  </a:cubicBezTo>
+                  <a:cubicBezTo>
+                    <a:pt x="8721" y="19128"/>
+                    <a:pt x="8416" y="18587"/>
+                    <a:pt x="7898" y="18144"/>
+                  </a:cubicBezTo>
+                  <a:cubicBezTo>
+                    <a:pt x="7659" y="17939"/>
+                    <a:pt x="7406" y="17760"/>
+                    <a:pt x="6985" y="17836"/>
+                  </a:cubicBezTo>
+                  <a:cubicBezTo>
+                    <a:pt x="6314" y="17957"/>
+                    <a:pt x="5634" y="18049"/>
+                    <a:pt x="4952" y="18123"/>
+                  </a:cubicBezTo>
+                  <a:cubicBezTo>
+                    <a:pt x="4375" y="18186"/>
+                    <a:pt x="3796" y="18162"/>
+                    <a:pt x="3256" y="17955"/>
+                  </a:cubicBezTo>
+                  <a:cubicBezTo>
+                    <a:pt x="2802" y="17782"/>
+                    <a:pt x="2600" y="17356"/>
+                    <a:pt x="2803" y="17039"/>
+                  </a:cubicBezTo>
+                  <a:cubicBezTo>
+                    <a:pt x="3167" y="16471"/>
+                    <a:pt x="3113" y="16240"/>
+                    <a:pt x="2579" y="15765"/>
+                  </a:cubicBezTo>
+                  <a:cubicBezTo>
+                    <a:pt x="2440" y="15641"/>
+                    <a:pt x="2285" y="15428"/>
+                    <a:pt x="2328" y="15297"/>
+                  </a:cubicBezTo>
+                  <a:cubicBezTo>
+                    <a:pt x="2390" y="15108"/>
+                    <a:pt x="2626" y="14956"/>
+                    <a:pt x="2784" y="14793"/>
+                  </a:cubicBezTo>
+                  <a:cubicBezTo>
+                    <a:pt x="2710" y="14764"/>
+                    <a:pt x="2525" y="14728"/>
+                    <a:pt x="2411" y="14635"/>
+                  </a:cubicBezTo>
+                  <a:cubicBezTo>
+                    <a:pt x="2321" y="14562"/>
+                    <a:pt x="2254" y="14404"/>
+                    <a:pt x="2285" y="14307"/>
+                  </a:cubicBezTo>
+                  <a:cubicBezTo>
+                    <a:pt x="2684" y="13091"/>
+                    <a:pt x="2242" y="12594"/>
+                    <a:pt x="1033" y="12330"/>
+                  </a:cubicBezTo>
+                  <a:cubicBezTo>
+                    <a:pt x="960" y="12314"/>
+                    <a:pt x="888" y="12297"/>
+                    <a:pt x="815" y="12283"/>
+                  </a:cubicBezTo>
+                  <a:cubicBezTo>
+                    <a:pt x="-46" y="12112"/>
+                    <a:pt x="-252" y="11618"/>
+                    <a:pt x="328" y="11075"/>
+                  </a:cubicBezTo>
+                  <a:close/>
+                </a:path>
+              </a:pathLst>
+            </a:custGeom>
+            <a:solidFill>
+              <a:schemeClr val="accent2">
+                <a:lumMod val="40000"/>
+                <a:lumOff val="60000"/>
+              </a:schemeClr>
+            </a:solidFill>
+            <a:ln w="12700" cap="flat">
+              <a:noFill/>
+              <a:miter lim="400000"/>
+            </a:ln>
+            <a:effectLst/>
+          </p:spPr>
+          <p:txBody>
+            <a:bodyPr wrap="square" lIns="50058" tIns="50058" rIns="50058" bIns="50058" numCol="1" anchor="ctr">
+              <a:noAutofit/>
+            </a:bodyPr>
+            <a:lstStyle/>
+            <a:p>
+              <a:pPr defTabSz="168910">
+                <a:defRPr sz="3000">
+                  <a:solidFill>
+                    <a:srgbClr val="FFFFFF"/>
+                  </a:solidFill>
+                  <a:effectLst>
+                    <a:outerShdw blurRad="38100" dist="12700" dir="5400000" rotWithShape="0">
+                      <a:srgbClr val="000000">
+                        <a:alpha val="50000"/>
+                      </a:srgbClr>
+                    </a:outerShdw>
+                  </a:effectLst>
+                  <a:latin typeface="Gill Sans"/>
+                  <a:ea typeface="Gill Sans"/>
+                  <a:cs typeface="Gill Sans"/>
+                  <a:sym typeface="Gill Sans"/>
+                </a:defRPr>
+              </a:pPr>
+              <a:endParaRPr sz="3940" dirty="0">
+                <a:latin typeface="Noto Sans S Chinese Thin" panose="020B0200000000000000" pitchFamily="34" charset="-122"/>
+                <a:ea typeface="Noto Sans S Chinese Thin" panose="020B0200000000000000" pitchFamily="34" charset="-122"/>
+              </a:endParaRPr>
+            </a:p>
+          </p:txBody>
+        </p:sp>
+        <p:sp>
+          <p:nvSpPr>
+            <p:cNvPr id="10" name="Shape 20864">
+              <a:extLst>
+                <a:ext uri="{FF2B5EF4-FFF2-40B4-BE49-F238E27FC236}">
+                  <a16:creationId xmlns:a16="http://schemas.microsoft.com/office/drawing/2014/main" id="{D2649C14-806D-0340-8A72-542B5408DFBA}"/>
+                </a:ext>
+              </a:extLst>
+            </p:cNvPr>
+            <p:cNvSpPr/>
+            <p:nvPr/>
+          </p:nvSpPr>
+          <p:spPr>
+            <a:xfrm>
+              <a:off x="3677288" y="6453520"/>
+              <a:ext cx="1222630" cy="1295948"/>
+            </a:xfrm>
+            <a:custGeom>
+              <a:avLst/>
+              <a:gdLst/>
+              <a:ahLst/>
+              <a:cxnLst>
+                <a:cxn ang="0">
+                  <a:pos x="wd2" y="hd2"/>
+                </a:cxn>
+                <a:cxn ang="5400000">
+                  <a:pos x="wd2" y="hd2"/>
+                </a:cxn>
+                <a:cxn ang="10800000">
+                  <a:pos x="wd2" y="hd2"/>
+                </a:cxn>
+                <a:cxn ang="16200000">
+                  <a:pos x="wd2" y="hd2"/>
+                </a:cxn>
+              </a:cxnLst>
+              <a:rect l="0" t="0" r="r" b="b"/>
+              <a:pathLst>
+                <a:path w="21508" h="21600" extrusionOk="0">
+                  <a:moveTo>
+                    <a:pt x="21502" y="19403"/>
+                  </a:moveTo>
+                  <a:cubicBezTo>
+                    <a:pt x="21184" y="12071"/>
+                    <a:pt x="18620" y="5619"/>
+                    <a:pt x="12429" y="1081"/>
+                  </a:cubicBezTo>
+                  <a:cubicBezTo>
+                    <a:pt x="11900" y="693"/>
+                    <a:pt x="11335" y="338"/>
+                    <a:pt x="10754" y="0"/>
+                  </a:cubicBezTo>
+                  <a:cubicBezTo>
+                    <a:pt x="10173" y="338"/>
+                    <a:pt x="9608" y="693"/>
+                    <a:pt x="9079" y="1081"/>
+                  </a:cubicBezTo>
+                  <a:cubicBezTo>
+                    <a:pt x="2888" y="5619"/>
+                    <a:pt x="324" y="12071"/>
+                    <a:pt x="6" y="19403"/>
+                  </a:cubicBezTo>
+                  <a:cubicBezTo>
+                    <a:pt x="-46" y="20602"/>
+                    <a:pt x="237" y="21236"/>
+                    <a:pt x="1000" y="21514"/>
+                  </a:cubicBezTo>
+                  <a:cubicBezTo>
+                    <a:pt x="4251" y="21539"/>
+                    <a:pt x="7503" y="21568"/>
+                    <a:pt x="10754" y="21600"/>
+                  </a:cubicBezTo>
+                  <a:cubicBezTo>
+                    <a:pt x="14005" y="21568"/>
+                    <a:pt x="17257" y="21539"/>
+                    <a:pt x="20508" y="21514"/>
+                  </a:cubicBezTo>
+                  <a:cubicBezTo>
+                    <a:pt x="21271" y="21236"/>
+                    <a:pt x="21554" y="20602"/>
+                    <a:pt x="21502" y="19403"/>
+                  </a:cubicBezTo>
+                  <a:close/>
+                </a:path>
+              </a:pathLst>
+            </a:custGeom>
+            <a:solidFill>
+              <a:srgbClr val="212935">
+                <a:alpha val="25000"/>
+              </a:srgbClr>
+            </a:solidFill>
+            <a:ln w="12700" cap="flat">
+              <a:noFill/>
+              <a:miter lim="400000"/>
+            </a:ln>
+            <a:effectLst/>
+          </p:spPr>
+          <p:txBody>
+            <a:bodyPr wrap="square" lIns="50058" tIns="50058" rIns="50058" bIns="50058" numCol="1" anchor="ctr">
+              <a:noAutofit/>
+            </a:bodyPr>
+            <a:lstStyle/>
+            <a:p>
+              <a:pPr defTabSz="168910">
+                <a:defRPr sz="3000">
+                  <a:solidFill>
+                    <a:srgbClr val="FFFFFF"/>
+                  </a:solidFill>
+                  <a:effectLst>
+                    <a:outerShdw blurRad="38100" dist="12700" dir="5400000" rotWithShape="0">
+                      <a:srgbClr val="000000">
+                        <a:alpha val="50000"/>
+                      </a:srgbClr>
+                    </a:outerShdw>
+                  </a:effectLst>
+                  <a:latin typeface="Gill Sans"/>
+                  <a:ea typeface="Gill Sans"/>
+                  <a:cs typeface="Gill Sans"/>
+                  <a:sym typeface="Gill Sans"/>
+                </a:defRPr>
+              </a:pPr>
+              <a:endParaRPr sz="3940">
+                <a:latin typeface="Noto Sans S Chinese Thin" panose="020B0200000000000000" pitchFamily="34" charset="-122"/>
+                <a:ea typeface="Noto Sans S Chinese Thin" panose="020B0200000000000000" pitchFamily="34" charset="-122"/>
+              </a:endParaRPr>
+            </a:p>
+          </p:txBody>
+        </p:sp>
+      </p:grpSp>
+      <p:sp>
+        <p:nvSpPr>
+          <p:cNvPr id="15" name="矩形 14">
+            <a:extLst>
+              <a:ext uri="{FF2B5EF4-FFF2-40B4-BE49-F238E27FC236}">
+                <a16:creationId xmlns:a16="http://schemas.microsoft.com/office/drawing/2014/main" id="{48AC7DD4-B013-D94D-A158-A389F763D1C3}"/>
+              </a:ext>
+            </a:extLst>
+          </p:cNvPr>
+          <p:cNvSpPr/>
+          <p:nvPr/>
+        </p:nvSpPr>
+        <p:spPr>
+          <a:xfrm>
+            <a:off x="1445765" y="2213843"/>
+            <a:ext cx="2222500" cy="2708434"/>
+          </a:xfrm>
+          <a:prstGeom prst="rect">
+            <a:avLst/>
+          </a:prstGeom>
+        </p:spPr>
+        <p:txBody>
+          <a:bodyPr wrap="square">
+            <a:spAutoFit/>
+          </a:bodyPr>
+          <a:lstStyle/>
+          <a:p>
+            <a:pPr algn="r"/>
+            <a:r>
+              <a:rPr lang="zh-CN" altLang="en-US" sz="2000" b="1" dirty="0">
+                <a:solidFill>
+                  <a:schemeClr val="tx1">
+                    <a:lumMod val="65000"/>
+                    <a:lumOff val="35000"/>
+                  </a:schemeClr>
+                </a:solidFill>
+                <a:latin typeface="Microsoft YaHei" panose="020B0503020204020204" pitchFamily="34" charset="-122"/>
+                <a:ea typeface="Microsoft YaHei" panose="020B0503020204020204" pitchFamily="34" charset="-122"/>
+                <a:cs typeface="+mn-ea"/>
+                <a:sym typeface="Arial" panose="020B0604020202020204" pitchFamily="34" charset="0"/>
+              </a:rPr>
+              <a:t>经济学</a:t>
+            </a:r>
+            <a:endParaRPr lang="en-US" altLang="zh-CN" sz="2000" b="1" dirty="0">
+              <a:solidFill>
+                <a:schemeClr val="tx1">
+                  <a:lumMod val="65000"/>
+                  <a:lumOff val="35000"/>
+                </a:schemeClr>
+              </a:solidFill>
+              <a:latin typeface="Microsoft YaHei" panose="020B0503020204020204" pitchFamily="34" charset="-122"/>
+              <a:ea typeface="Microsoft YaHei" panose="020B0503020204020204" pitchFamily="34" charset="-122"/>
+              <a:cs typeface="+mn-ea"/>
+              <a:sym typeface="Arial" panose="020B0604020202020204" pitchFamily="34" charset="0"/>
+            </a:endParaRPr>
+          </a:p>
+          <a:p>
+            <a:pPr algn="r"/>
+            <a:r>
+              <a:rPr lang="zh-CN" altLang="en-US" sz="1400" dirty="0">
+                <a:solidFill>
+                  <a:schemeClr val="bg2">
+                    <a:lumMod val="25000"/>
+                  </a:schemeClr>
+                </a:solidFill>
+                <a:latin typeface="Microsoft YaHei" panose="020B0503020204020204" pitchFamily="34" charset="-122"/>
+                <a:ea typeface="Microsoft YaHei" panose="020B0503020204020204" pitchFamily="34" charset="-122"/>
+                <a:cs typeface="Arial" panose="020B0604020202020204" pitchFamily="34" charset="0"/>
+              </a:rPr>
+              <a:t>宏观经济学</a:t>
+            </a:r>
+            <a:endParaRPr lang="en-US" altLang="zh-CN" sz="1400" dirty="0">
+              <a:solidFill>
+                <a:schemeClr val="bg2">
+                  <a:lumMod val="25000"/>
+                </a:schemeClr>
+              </a:solidFill>
+              <a:latin typeface="Microsoft YaHei" panose="020B0503020204020204" pitchFamily="34" charset="-122"/>
+              <a:ea typeface="Microsoft YaHei" panose="020B0503020204020204" pitchFamily="34" charset="-122"/>
+              <a:cs typeface="Arial" panose="020B0604020202020204" pitchFamily="34" charset="0"/>
+            </a:endParaRPr>
+          </a:p>
+          <a:p>
+            <a:pPr algn="r"/>
+            <a:r>
+              <a:rPr lang="en-US" altLang="zh-CN" sz="1400" dirty="0">
+                <a:solidFill>
+                  <a:schemeClr val="bg2">
+                    <a:lumMod val="25000"/>
+                  </a:schemeClr>
+                </a:solidFill>
+                <a:latin typeface="Microsoft YaHei" panose="020B0503020204020204" pitchFamily="34" charset="-122"/>
+                <a:ea typeface="Microsoft YaHei" panose="020B0503020204020204" pitchFamily="34" charset="-122"/>
+                <a:cs typeface="Arial" panose="020B0604020202020204" pitchFamily="34" charset="0"/>
+              </a:rPr>
+              <a:t> </a:t>
+            </a:r>
+            <a:r>
+              <a:rPr lang="zh-CN" altLang="en-US" sz="1400" dirty="0">
+                <a:solidFill>
+                  <a:schemeClr val="bg2">
+                    <a:lumMod val="25000"/>
+                  </a:schemeClr>
+                </a:solidFill>
+                <a:latin typeface="Microsoft YaHei" panose="020B0503020204020204" pitchFamily="34" charset="-122"/>
+                <a:ea typeface="Microsoft YaHei" panose="020B0503020204020204" pitchFamily="34" charset="-122"/>
+                <a:cs typeface="Arial" panose="020B0604020202020204" pitchFamily="34" charset="0"/>
+              </a:rPr>
+              <a:t>微观经济学</a:t>
+            </a:r>
+            <a:r>
+              <a:rPr lang="en-US" altLang="zh-CN" sz="1400" dirty="0">
+                <a:solidFill>
+                  <a:schemeClr val="bg2">
+                    <a:lumMod val="25000"/>
+                  </a:schemeClr>
+                </a:solidFill>
+                <a:latin typeface="Microsoft YaHei" panose="020B0503020204020204" pitchFamily="34" charset="-122"/>
+                <a:ea typeface="Microsoft YaHei" panose="020B0503020204020204" pitchFamily="34" charset="-122"/>
+                <a:cs typeface="Arial" panose="020B0604020202020204" pitchFamily="34" charset="0"/>
+              </a:rPr>
+              <a:t> </a:t>
+            </a:r>
+          </a:p>
+          <a:p>
+            <a:pPr algn="r"/>
+            <a:r>
+              <a:rPr lang="zh-CN" altLang="en-US" sz="1400" dirty="0">
+                <a:solidFill>
+                  <a:schemeClr val="bg2">
+                    <a:lumMod val="25000"/>
+                  </a:schemeClr>
+                </a:solidFill>
+                <a:latin typeface="Microsoft YaHei" panose="020B0503020204020204" pitchFamily="34" charset="-122"/>
+                <a:ea typeface="Microsoft YaHei" panose="020B0503020204020204" pitchFamily="34" charset="-122"/>
+                <a:cs typeface="Arial" panose="020B0604020202020204" pitchFamily="34" charset="0"/>
+              </a:rPr>
+              <a:t>计量经济学</a:t>
+            </a:r>
+            <a:endParaRPr lang="en-US" altLang="zh-CN" sz="1400" dirty="0">
+              <a:solidFill>
+                <a:schemeClr val="bg2">
+                  <a:lumMod val="25000"/>
+                </a:schemeClr>
+              </a:solidFill>
+              <a:latin typeface="Microsoft YaHei" panose="020B0503020204020204" pitchFamily="34" charset="-122"/>
+              <a:ea typeface="Microsoft YaHei" panose="020B0503020204020204" pitchFamily="34" charset="-122"/>
+              <a:cs typeface="Arial" panose="020B0604020202020204" pitchFamily="34" charset="0"/>
+            </a:endParaRPr>
+          </a:p>
+          <a:p>
+            <a:pPr algn="r"/>
+            <a:r>
+              <a:rPr lang="zh-CN" altLang="en-US" sz="1400" dirty="0">
+                <a:solidFill>
+                  <a:schemeClr val="bg2">
+                    <a:lumMod val="25000"/>
+                  </a:schemeClr>
+                </a:solidFill>
+                <a:latin typeface="Microsoft YaHei" panose="020B0503020204020204" pitchFamily="34" charset="-122"/>
+                <a:ea typeface="Microsoft YaHei" panose="020B0503020204020204" pitchFamily="34" charset="-122"/>
+                <a:cs typeface="Arial" panose="020B0604020202020204" pitchFamily="34" charset="0"/>
+              </a:rPr>
+              <a:t>数学</a:t>
+            </a:r>
+            <a:endParaRPr lang="en-US" altLang="zh-CN" sz="1400" dirty="0">
+              <a:solidFill>
+                <a:schemeClr val="bg2">
+                  <a:lumMod val="25000"/>
+                </a:schemeClr>
+              </a:solidFill>
+              <a:latin typeface="Microsoft YaHei" panose="020B0503020204020204" pitchFamily="34" charset="-122"/>
+              <a:ea typeface="Microsoft YaHei" panose="020B0503020204020204" pitchFamily="34" charset="-122"/>
+              <a:cs typeface="Arial" panose="020B0604020202020204" pitchFamily="34" charset="0"/>
+            </a:endParaRPr>
+          </a:p>
+          <a:p>
+            <a:pPr algn="r"/>
+            <a:r>
+              <a:rPr lang="zh-CN" altLang="en-US" sz="1400" dirty="0">
+                <a:solidFill>
+                  <a:schemeClr val="bg2">
+                    <a:lumMod val="25000"/>
+                  </a:schemeClr>
+                </a:solidFill>
+                <a:latin typeface="Microsoft YaHei" panose="020B0503020204020204" pitchFamily="34" charset="-122"/>
+                <a:ea typeface="Microsoft YaHei" panose="020B0503020204020204" pitchFamily="34" charset="-122"/>
+                <a:cs typeface="Arial" panose="020B0604020202020204" pitchFamily="34" charset="0"/>
+              </a:rPr>
+              <a:t>统计学</a:t>
+            </a:r>
+            <a:endParaRPr lang="en-US" altLang="zh-CN" sz="1400" dirty="0">
+              <a:solidFill>
+                <a:schemeClr val="bg2">
+                  <a:lumMod val="25000"/>
+                </a:schemeClr>
+              </a:solidFill>
+              <a:latin typeface="Microsoft YaHei" panose="020B0503020204020204" pitchFamily="34" charset="-122"/>
+              <a:ea typeface="Microsoft YaHei" panose="020B0503020204020204" pitchFamily="34" charset="-122"/>
+              <a:cs typeface="Arial" panose="020B0604020202020204" pitchFamily="34" charset="0"/>
+            </a:endParaRPr>
+          </a:p>
+          <a:p>
+            <a:pPr algn="r"/>
+            <a:r>
+              <a:rPr lang="zh-CN" altLang="en-US" sz="1400" dirty="0">
+                <a:solidFill>
+                  <a:schemeClr val="bg2">
+                    <a:lumMod val="25000"/>
+                  </a:schemeClr>
+                </a:solidFill>
+                <a:latin typeface="Microsoft YaHei" panose="020B0503020204020204" pitchFamily="34" charset="-122"/>
+                <a:ea typeface="Microsoft YaHei" panose="020B0503020204020204" pitchFamily="34" charset="-122"/>
+                <a:cs typeface="Arial" panose="020B0604020202020204" pitchFamily="34" charset="0"/>
+              </a:rPr>
+              <a:t>博弈论</a:t>
+            </a:r>
+            <a:endParaRPr lang="en-US" altLang="zh-CN" sz="1400" dirty="0">
+              <a:solidFill>
+                <a:schemeClr val="bg2">
+                  <a:lumMod val="25000"/>
+                </a:schemeClr>
+              </a:solidFill>
+              <a:latin typeface="Microsoft YaHei" panose="020B0503020204020204" pitchFamily="34" charset="-122"/>
+              <a:ea typeface="Microsoft YaHei" panose="020B0503020204020204" pitchFamily="34" charset="-122"/>
+              <a:cs typeface="Arial" panose="020B0604020202020204" pitchFamily="34" charset="0"/>
+            </a:endParaRPr>
+          </a:p>
+          <a:p>
+            <a:pPr algn="r"/>
+            <a:r>
+              <a:rPr lang="zh-CN" altLang="en-US" sz="1400" dirty="0">
+                <a:solidFill>
+                  <a:schemeClr val="bg2">
+                    <a:lumMod val="25000"/>
+                  </a:schemeClr>
+                </a:solidFill>
+                <a:latin typeface="Microsoft YaHei" panose="020B0503020204020204" pitchFamily="34" charset="-122"/>
+                <a:ea typeface="Microsoft YaHei" panose="020B0503020204020204" pitchFamily="34" charset="-122"/>
+                <a:cs typeface="Arial" panose="020B0604020202020204" pitchFamily="34" charset="0"/>
+              </a:rPr>
+              <a:t>公司金融学</a:t>
+            </a:r>
+            <a:endParaRPr lang="en-US" altLang="zh-CN" sz="1400" dirty="0">
+              <a:solidFill>
+                <a:schemeClr val="bg2">
+                  <a:lumMod val="25000"/>
+                </a:schemeClr>
+              </a:solidFill>
+              <a:latin typeface="Microsoft YaHei" panose="020B0503020204020204" pitchFamily="34" charset="-122"/>
+              <a:ea typeface="Microsoft YaHei" panose="020B0503020204020204" pitchFamily="34" charset="-122"/>
+              <a:cs typeface="Arial" panose="020B0604020202020204" pitchFamily="34" charset="0"/>
+            </a:endParaRPr>
+          </a:p>
+          <a:p>
+            <a:pPr algn="r"/>
+            <a:r>
+              <a:rPr lang="zh-CN" altLang="en-US" sz="1400" dirty="0">
+                <a:solidFill>
+                  <a:schemeClr val="bg2">
+                    <a:lumMod val="25000"/>
+                  </a:schemeClr>
+                </a:solidFill>
+                <a:latin typeface="Microsoft YaHei" panose="020B0503020204020204" pitchFamily="34" charset="-122"/>
+                <a:ea typeface="Microsoft YaHei" panose="020B0503020204020204" pitchFamily="34" charset="-122"/>
+                <a:cs typeface="Arial" panose="020B0604020202020204" pitchFamily="34" charset="0"/>
+              </a:rPr>
+              <a:t>信息经济学</a:t>
+            </a:r>
+            <a:endParaRPr lang="en-US" altLang="zh-CN" sz="1400" dirty="0">
+              <a:solidFill>
+                <a:schemeClr val="bg2">
+                  <a:lumMod val="25000"/>
+                </a:schemeClr>
+              </a:solidFill>
+              <a:latin typeface="Microsoft YaHei" panose="020B0503020204020204" pitchFamily="34" charset="-122"/>
+              <a:ea typeface="Microsoft YaHei" panose="020B0503020204020204" pitchFamily="34" charset="-122"/>
+              <a:cs typeface="Arial" panose="020B0604020202020204" pitchFamily="34" charset="0"/>
+            </a:endParaRPr>
+          </a:p>
+          <a:p>
+            <a:pPr algn="r"/>
+            <a:r>
+              <a:rPr lang="en-US" altLang="zh-CN" sz="1400" dirty="0">
+                <a:solidFill>
+                  <a:schemeClr val="bg2">
+                    <a:lumMod val="25000"/>
+                  </a:schemeClr>
+                </a:solidFill>
+                <a:latin typeface="Microsoft YaHei" panose="020B0503020204020204" pitchFamily="34" charset="-122"/>
+                <a:ea typeface="Microsoft YaHei" panose="020B0503020204020204" pitchFamily="34" charset="-122"/>
+                <a:cs typeface="Arial" panose="020B0604020202020204" pitchFamily="34" charset="0"/>
+              </a:rPr>
+              <a:t>...</a:t>
+            </a:r>
+            <a:endParaRPr lang="zh-CN" altLang="en-US" sz="1600" dirty="0">
+              <a:solidFill>
+                <a:schemeClr val="bg2">
+                  <a:lumMod val="25000"/>
+                </a:schemeClr>
+              </a:solidFill>
+              <a:latin typeface="Microsoft YaHei" panose="020B0503020204020204" pitchFamily="34" charset="-122"/>
+              <a:ea typeface="Microsoft YaHei" panose="020B0503020204020204" pitchFamily="34" charset="-122"/>
+              <a:cs typeface="Arial" panose="020B0604020202020204" pitchFamily="34" charset="0"/>
+              <a:sym typeface="Arial" panose="020B0604020202020204" pitchFamily="34" charset="0"/>
+            </a:endParaRPr>
+          </a:p>
+          <a:p>
+            <a:pPr algn="r"/>
+            <a:endParaRPr lang="zh-CN" altLang="en-US" sz="2000" dirty="0">
+              <a:solidFill>
+                <a:schemeClr val="tx1">
+                  <a:lumMod val="65000"/>
+                  <a:lumOff val="35000"/>
+                </a:schemeClr>
+              </a:solidFill>
+              <a:latin typeface="Calibri" panose="020F0502020204030204" charset="0"/>
+              <a:ea typeface="海派腔调禅粗黑简1.0" panose="02000500000000000000" charset="-122"/>
+              <a:cs typeface="+mn-ea"/>
+              <a:sym typeface="Arial" panose="020B0604020202020204" pitchFamily="34" charset="0"/>
+            </a:endParaRPr>
+          </a:p>
+        </p:txBody>
+      </p:sp>
+      <p:sp>
+        <p:nvSpPr>
+          <p:cNvPr id="19" name="矩形 18">
+            <a:extLst>
+              <a:ext uri="{FF2B5EF4-FFF2-40B4-BE49-F238E27FC236}">
+                <a16:creationId xmlns:a16="http://schemas.microsoft.com/office/drawing/2014/main" id="{C579DD6A-E5C0-6A4F-9B16-E72B02F2FE7C}"/>
+              </a:ext>
+            </a:extLst>
+          </p:cNvPr>
+          <p:cNvSpPr/>
+          <p:nvPr/>
+        </p:nvSpPr>
+        <p:spPr>
+          <a:xfrm>
+            <a:off x="7100183" y="2213843"/>
+            <a:ext cx="3526512" cy="3046988"/>
+          </a:xfrm>
+          <a:prstGeom prst="rect">
+            <a:avLst/>
+          </a:prstGeom>
+        </p:spPr>
+        <p:txBody>
+          <a:bodyPr wrap="square">
+            <a:spAutoFit/>
+          </a:bodyPr>
+          <a:lstStyle/>
+          <a:p>
+            <a:r>
+              <a:rPr lang="zh-CN" altLang="en-US" sz="2000" b="1" dirty="0">
+                <a:solidFill>
+                  <a:schemeClr val="tx1">
+                    <a:lumMod val="65000"/>
+                    <a:lumOff val="35000"/>
+                  </a:schemeClr>
+                </a:solidFill>
+                <a:latin typeface="Microsoft YaHei" panose="020B0503020204020204" pitchFamily="34" charset="-122"/>
+                <a:ea typeface="Microsoft YaHei" panose="020B0503020204020204" pitchFamily="34" charset="-122"/>
+                <a:cs typeface="+mn-ea"/>
+                <a:sym typeface="Arial" panose="020B0604020202020204" pitchFamily="34" charset="0"/>
+              </a:rPr>
+              <a:t>商业分析学</a:t>
+            </a:r>
+            <a:endParaRPr lang="en-US" altLang="zh-CN" sz="2000" b="1" dirty="0">
+              <a:solidFill>
+                <a:schemeClr val="tx1">
+                  <a:lumMod val="65000"/>
+                  <a:lumOff val="35000"/>
+                </a:schemeClr>
+              </a:solidFill>
+              <a:latin typeface="Microsoft YaHei" panose="020B0503020204020204" pitchFamily="34" charset="-122"/>
+              <a:ea typeface="Microsoft YaHei" panose="020B0503020204020204" pitchFamily="34" charset="-122"/>
+              <a:cs typeface="+mn-ea"/>
+              <a:sym typeface="Arial" panose="020B0604020202020204" pitchFamily="34" charset="0"/>
+            </a:endParaRPr>
+          </a:p>
+          <a:p>
+            <a:r>
+              <a:rPr lang="zh-CN" altLang="en-US" sz="1400" dirty="0">
+                <a:solidFill>
+                  <a:schemeClr val="bg2">
+                    <a:lumMod val="25000"/>
+                  </a:schemeClr>
+                </a:solidFill>
+                <a:latin typeface="Microsoft YaHei" panose="020B0503020204020204" pitchFamily="34" charset="-122"/>
+                <a:ea typeface="Microsoft YaHei" panose="020B0503020204020204" pitchFamily="34" charset="-122"/>
+                <a:cs typeface="Arial" panose="020B0604020202020204" pitchFamily="34" charset="0"/>
+              </a:rPr>
+              <a:t>数据结构与算法</a:t>
+            </a:r>
+            <a:endParaRPr lang="en-US" altLang="zh-CN" sz="1400" dirty="0">
+              <a:solidFill>
+                <a:schemeClr val="bg2">
+                  <a:lumMod val="25000"/>
+                </a:schemeClr>
+              </a:solidFill>
+              <a:latin typeface="Microsoft YaHei" panose="020B0503020204020204" pitchFamily="34" charset="-122"/>
+              <a:ea typeface="Microsoft YaHei" panose="020B0503020204020204" pitchFamily="34" charset="-122"/>
+              <a:cs typeface="Arial" panose="020B0604020202020204" pitchFamily="34" charset="0"/>
+            </a:endParaRPr>
+          </a:p>
+          <a:p>
+            <a:r>
+              <a:rPr lang="zh-CN" altLang="en-US" sz="1400" dirty="0">
+                <a:solidFill>
+                  <a:schemeClr val="bg2">
+                    <a:lumMod val="25000"/>
+                  </a:schemeClr>
+                </a:solidFill>
+                <a:latin typeface="Microsoft YaHei" panose="020B0503020204020204" pitchFamily="34" charset="-122"/>
+                <a:ea typeface="Microsoft YaHei" panose="020B0503020204020204" pitchFamily="34" charset="-122"/>
+                <a:cs typeface="Arial" panose="020B0604020202020204" pitchFamily="34" charset="0"/>
+              </a:rPr>
+              <a:t>基础数据库</a:t>
+            </a:r>
+            <a:endParaRPr lang="en-US" altLang="zh-CN" sz="1400" dirty="0">
+              <a:solidFill>
+                <a:schemeClr val="bg2">
+                  <a:lumMod val="25000"/>
+                </a:schemeClr>
+              </a:solidFill>
+              <a:latin typeface="Microsoft YaHei" panose="020B0503020204020204" pitchFamily="34" charset="-122"/>
+              <a:ea typeface="Microsoft YaHei" panose="020B0503020204020204" pitchFamily="34" charset="-122"/>
+              <a:cs typeface="Arial" panose="020B0604020202020204" pitchFamily="34" charset="0"/>
+            </a:endParaRPr>
+          </a:p>
+          <a:p>
+            <a:r>
+              <a:rPr lang="zh-CN" altLang="en-US" sz="1400" dirty="0">
+                <a:solidFill>
+                  <a:schemeClr val="bg2">
+                    <a:lumMod val="25000"/>
+                  </a:schemeClr>
+                </a:solidFill>
+                <a:latin typeface="Microsoft YaHei" panose="020B0503020204020204" pitchFamily="34" charset="-122"/>
+                <a:ea typeface="Microsoft YaHei" panose="020B0503020204020204" pitchFamily="34" charset="-122"/>
+                <a:cs typeface="Arial" panose="020B0604020202020204" pitchFamily="34" charset="0"/>
+              </a:rPr>
+              <a:t>统计学与计量经济学</a:t>
+            </a:r>
+            <a:endParaRPr lang="en-US" altLang="zh-CN" sz="1400" dirty="0">
+              <a:solidFill>
+                <a:schemeClr val="bg2">
+                  <a:lumMod val="25000"/>
+                </a:schemeClr>
+              </a:solidFill>
+              <a:latin typeface="Microsoft YaHei" panose="020B0503020204020204" pitchFamily="34" charset="-122"/>
+              <a:ea typeface="Microsoft YaHei" panose="020B0503020204020204" pitchFamily="34" charset="-122"/>
+              <a:cs typeface="Arial" panose="020B0604020202020204" pitchFamily="34" charset="0"/>
+            </a:endParaRPr>
+          </a:p>
+          <a:p>
+            <a:r>
+              <a:rPr lang="zh-CN" altLang="en-US" sz="1400" dirty="0">
+                <a:solidFill>
+                  <a:schemeClr val="bg2">
+                    <a:lumMod val="25000"/>
+                  </a:schemeClr>
+                </a:solidFill>
+                <a:latin typeface="Microsoft YaHei" panose="020B0503020204020204" pitchFamily="34" charset="-122"/>
+                <a:ea typeface="Microsoft YaHei" panose="020B0503020204020204" pitchFamily="34" charset="-122"/>
+                <a:cs typeface="Arial" panose="020B0604020202020204" pitchFamily="34" charset="0"/>
+              </a:rPr>
+              <a:t>高级机器学习</a:t>
+            </a:r>
+            <a:endParaRPr lang="en-US" altLang="zh-CN" sz="1400" dirty="0">
+              <a:solidFill>
+                <a:schemeClr val="bg2">
+                  <a:lumMod val="25000"/>
+                </a:schemeClr>
+              </a:solidFill>
+              <a:latin typeface="Microsoft YaHei" panose="020B0503020204020204" pitchFamily="34" charset="-122"/>
+              <a:ea typeface="Microsoft YaHei" panose="020B0503020204020204" pitchFamily="34" charset="-122"/>
+              <a:cs typeface="Arial" panose="020B0604020202020204" pitchFamily="34" charset="0"/>
+            </a:endParaRPr>
+          </a:p>
+          <a:p>
+            <a:r>
+              <a:rPr lang="zh-CN" altLang="en-US" sz="1400" dirty="0">
+                <a:solidFill>
+                  <a:schemeClr val="bg2">
+                    <a:lumMod val="25000"/>
+                  </a:schemeClr>
+                </a:solidFill>
+                <a:latin typeface="Microsoft YaHei" panose="020B0503020204020204" pitchFamily="34" charset="-122"/>
+                <a:ea typeface="Microsoft YaHei" panose="020B0503020204020204" pitchFamily="34" charset="-122"/>
+                <a:cs typeface="Arial" panose="020B0604020202020204" pitchFamily="34" charset="0"/>
+              </a:rPr>
+              <a:t>网络分析</a:t>
+            </a:r>
+            <a:endParaRPr lang="en-US" altLang="zh-CN" sz="1400" dirty="0">
+              <a:solidFill>
+                <a:schemeClr val="bg2">
+                  <a:lumMod val="25000"/>
+                </a:schemeClr>
+              </a:solidFill>
+              <a:latin typeface="Microsoft YaHei" panose="020B0503020204020204" pitchFamily="34" charset="-122"/>
+              <a:ea typeface="Microsoft YaHei" panose="020B0503020204020204" pitchFamily="34" charset="-122"/>
+              <a:cs typeface="Arial" panose="020B0604020202020204" pitchFamily="34" charset="0"/>
+            </a:endParaRPr>
+          </a:p>
+          <a:p>
+            <a:r>
+              <a:rPr lang="zh-CN" altLang="en-US" sz="1400" dirty="0">
+                <a:solidFill>
+                  <a:schemeClr val="bg2">
+                    <a:lumMod val="25000"/>
+                  </a:schemeClr>
+                </a:solidFill>
+                <a:latin typeface="Microsoft YaHei" panose="020B0503020204020204" pitchFamily="34" charset="-122"/>
+                <a:ea typeface="Microsoft YaHei" panose="020B0503020204020204" pitchFamily="34" charset="-122"/>
+                <a:cs typeface="Arial" panose="020B0604020202020204" pitchFamily="34" charset="0"/>
+              </a:rPr>
+              <a:t>优化和决策模型</a:t>
+            </a:r>
+            <a:endParaRPr lang="en-US" altLang="zh-CN" sz="1400" dirty="0">
+              <a:solidFill>
+                <a:schemeClr val="bg2">
+                  <a:lumMod val="25000"/>
+                </a:schemeClr>
+              </a:solidFill>
+              <a:latin typeface="Microsoft YaHei" panose="020B0503020204020204" pitchFamily="34" charset="-122"/>
+              <a:ea typeface="Microsoft YaHei" panose="020B0503020204020204" pitchFamily="34" charset="-122"/>
+              <a:cs typeface="Arial" panose="020B0604020202020204" pitchFamily="34" charset="0"/>
+            </a:endParaRPr>
+          </a:p>
+          <a:p>
+            <a:r>
+              <a:rPr lang="zh-CN" altLang="en-US" sz="1400" dirty="0">
+                <a:solidFill>
+                  <a:schemeClr val="bg2">
+                    <a:lumMod val="25000"/>
+                  </a:schemeClr>
+                </a:solidFill>
+                <a:latin typeface="Microsoft YaHei" panose="020B0503020204020204" pitchFamily="34" charset="-122"/>
+                <a:ea typeface="Microsoft YaHei" panose="020B0503020204020204" pitchFamily="34" charset="-122"/>
+                <a:cs typeface="Arial" panose="020B0604020202020204" pitchFamily="34" charset="0"/>
+              </a:rPr>
+              <a:t>数字营销分析</a:t>
+            </a:r>
+            <a:endParaRPr lang="en-US" altLang="zh-CN" sz="1400" dirty="0">
+              <a:solidFill>
+                <a:schemeClr val="bg2">
+                  <a:lumMod val="25000"/>
+                </a:schemeClr>
+              </a:solidFill>
+              <a:latin typeface="Microsoft YaHei" panose="020B0503020204020204" pitchFamily="34" charset="-122"/>
+              <a:ea typeface="Microsoft YaHei" panose="020B0503020204020204" pitchFamily="34" charset="-122"/>
+              <a:cs typeface="Arial" panose="020B0604020202020204" pitchFamily="34" charset="0"/>
+            </a:endParaRPr>
+          </a:p>
+          <a:p>
+            <a:r>
+              <a:rPr lang="zh-CN" altLang="en-US" sz="1400" dirty="0">
+                <a:solidFill>
+                  <a:schemeClr val="bg2">
+                    <a:lumMod val="25000"/>
+                  </a:schemeClr>
+                </a:solidFill>
+                <a:latin typeface="Microsoft YaHei" panose="020B0503020204020204" pitchFamily="34" charset="-122"/>
+                <a:ea typeface="Microsoft YaHei" panose="020B0503020204020204" pitchFamily="34" charset="-122"/>
+                <a:cs typeface="Arial" panose="020B0604020202020204" pitchFamily="34" charset="0"/>
+              </a:rPr>
+              <a:t>商业分析</a:t>
+            </a:r>
+            <a:endParaRPr lang="en-US" altLang="zh-CN" sz="1400" dirty="0">
+              <a:solidFill>
+                <a:schemeClr val="bg2">
+                  <a:lumMod val="25000"/>
+                </a:schemeClr>
+              </a:solidFill>
+              <a:latin typeface="Microsoft YaHei" panose="020B0503020204020204" pitchFamily="34" charset="-122"/>
+              <a:ea typeface="Microsoft YaHei" panose="020B0503020204020204" pitchFamily="34" charset="-122"/>
+              <a:cs typeface="Arial" panose="020B0604020202020204" pitchFamily="34" charset="0"/>
+            </a:endParaRPr>
+          </a:p>
+          <a:p>
+            <a:r>
+              <a:rPr lang="zh-CN" altLang="en-US" sz="1400" dirty="0">
+                <a:solidFill>
+                  <a:schemeClr val="bg2">
+                    <a:lumMod val="25000"/>
+                  </a:schemeClr>
+                </a:solidFill>
+                <a:latin typeface="Microsoft YaHei" panose="020B0503020204020204" pitchFamily="34" charset="-122"/>
+                <a:ea typeface="Microsoft YaHei" panose="020B0503020204020204" pitchFamily="34" charset="-122"/>
+                <a:cs typeface="Arial" panose="020B0604020202020204" pitchFamily="34" charset="0"/>
+              </a:rPr>
+              <a:t>金融分析</a:t>
+            </a:r>
+            <a:endParaRPr lang="en-US" altLang="zh-CN" sz="1400" dirty="0">
+              <a:solidFill>
+                <a:schemeClr val="bg2">
+                  <a:lumMod val="25000"/>
+                </a:schemeClr>
+              </a:solidFill>
+              <a:latin typeface="Microsoft YaHei" panose="020B0503020204020204" pitchFamily="34" charset="-122"/>
+              <a:ea typeface="Microsoft YaHei" panose="020B0503020204020204" pitchFamily="34" charset="-122"/>
+              <a:cs typeface="Arial" panose="020B0604020202020204" pitchFamily="34" charset="0"/>
+            </a:endParaRPr>
+          </a:p>
+          <a:p>
+            <a:r>
+              <a:rPr lang="zh-CN" altLang="en-US" sz="1400" dirty="0">
+                <a:solidFill>
+                  <a:schemeClr val="bg2">
+                    <a:lumMod val="25000"/>
+                  </a:schemeClr>
+                </a:solidFill>
+                <a:latin typeface="Microsoft YaHei" panose="020B0503020204020204" pitchFamily="34" charset="-122"/>
+                <a:ea typeface="Microsoft YaHei" panose="020B0503020204020204" pitchFamily="34" charset="-122"/>
+                <a:cs typeface="Arial" panose="020B0604020202020204" pitchFamily="34" charset="0"/>
+              </a:rPr>
+              <a:t>能源分析</a:t>
+            </a:r>
+            <a:endParaRPr lang="en-US" altLang="zh-CN" sz="1400" dirty="0">
+              <a:solidFill>
+                <a:schemeClr val="bg2">
+                  <a:lumMod val="25000"/>
+                </a:schemeClr>
+              </a:solidFill>
+              <a:latin typeface="Microsoft YaHei" panose="020B0503020204020204" pitchFamily="34" charset="-122"/>
+              <a:ea typeface="Microsoft YaHei" panose="020B0503020204020204" pitchFamily="34" charset="-122"/>
+              <a:cs typeface="Arial" panose="020B0604020202020204" pitchFamily="34" charset="0"/>
+            </a:endParaRPr>
+          </a:p>
+          <a:p>
+            <a:r>
+              <a:rPr lang="zh-CN" altLang="en-US" sz="1400" dirty="0">
+                <a:solidFill>
+                  <a:schemeClr val="bg2">
+                    <a:lumMod val="25000"/>
+                  </a:schemeClr>
+                </a:solidFill>
+                <a:latin typeface="Microsoft YaHei" panose="020B0503020204020204" pitchFamily="34" charset="-122"/>
+                <a:ea typeface="Microsoft YaHei" panose="020B0503020204020204" pitchFamily="34" charset="-122"/>
+                <a:cs typeface="Arial" panose="020B0604020202020204" pitchFamily="34" charset="0"/>
+              </a:rPr>
+              <a:t>可视化</a:t>
+            </a:r>
+            <a:endParaRPr lang="en-US" altLang="zh-CN" sz="1400" dirty="0">
+              <a:solidFill>
+                <a:schemeClr val="bg2">
+                  <a:lumMod val="25000"/>
+                </a:schemeClr>
+              </a:solidFill>
+              <a:latin typeface="Microsoft YaHei" panose="020B0503020204020204" pitchFamily="34" charset="-122"/>
+              <a:ea typeface="Microsoft YaHei" panose="020B0503020204020204" pitchFamily="34" charset="-122"/>
+              <a:cs typeface="Arial" panose="020B0604020202020204" pitchFamily="34" charset="0"/>
+            </a:endParaRPr>
+          </a:p>
+          <a:p>
+            <a:r>
+              <a:rPr lang="en-US" altLang="zh-CN" sz="1400" dirty="0">
+                <a:solidFill>
+                  <a:schemeClr val="bg2">
+                    <a:lumMod val="25000"/>
+                  </a:schemeClr>
+                </a:solidFill>
+                <a:latin typeface="Arial" panose="020B0604020202020204" pitchFamily="34" charset="0"/>
+                <a:cs typeface="Arial" panose="020B0604020202020204" pitchFamily="34" charset="0"/>
+                <a:sym typeface="Arial" panose="020B0604020202020204" pitchFamily="34" charset="0"/>
+              </a:rPr>
+              <a:t>…</a:t>
+            </a:r>
+            <a:endParaRPr lang="zh-CN" altLang="en-US" sz="1400" dirty="0">
+              <a:solidFill>
+                <a:schemeClr val="bg2">
+                  <a:lumMod val="25000"/>
+                </a:schemeClr>
+              </a:solidFill>
+              <a:latin typeface="Arial" panose="020B0604020202020204" pitchFamily="34" charset="0"/>
+              <a:cs typeface="Arial" panose="020B0604020202020204" pitchFamily="34" charset="0"/>
+              <a:sym typeface="Arial" panose="020B0604020202020204" pitchFamily="34" charset="0"/>
+            </a:endParaRPr>
+          </a:p>
+        </p:txBody>
+      </p:sp>
+      <p:sp>
+        <p:nvSpPr>
+          <p:cNvPr id="20" name="矩形 19">
+            <a:extLst>
+              <a:ext uri="{FF2B5EF4-FFF2-40B4-BE49-F238E27FC236}">
+                <a16:creationId xmlns:a16="http://schemas.microsoft.com/office/drawing/2014/main" id="{DA0C33B5-631C-5F48-BAF5-56772E501FA6}"/>
+              </a:ext>
+            </a:extLst>
+          </p:cNvPr>
+          <p:cNvSpPr/>
+          <p:nvPr/>
+        </p:nvSpPr>
+        <p:spPr>
+          <a:xfrm>
+            <a:off x="2487716" y="4557505"/>
+            <a:ext cx="4717974" cy="615553"/>
+          </a:xfrm>
+          <a:prstGeom prst="rect">
+            <a:avLst/>
+          </a:prstGeom>
+        </p:spPr>
+        <p:txBody>
+          <a:bodyPr wrap="square">
+            <a:spAutoFit/>
+          </a:bodyPr>
+          <a:lstStyle/>
+          <a:p>
+            <a:pPr algn="ctr"/>
+            <a:r>
+              <a:rPr lang="zh-CN" altLang="en-US" sz="2000" b="1" dirty="0">
+                <a:solidFill>
+                  <a:schemeClr val="tx1">
+                    <a:lumMod val="65000"/>
+                    <a:lumOff val="35000"/>
+                  </a:schemeClr>
+                </a:solidFill>
+                <a:latin typeface="Microsoft YaHei" panose="020B0503020204020204" pitchFamily="34" charset="-122"/>
+                <a:ea typeface="Microsoft YaHei" panose="020B0503020204020204" pitchFamily="34" charset="-122"/>
+                <a:cs typeface="+mn-ea"/>
+                <a:sym typeface="Arial" panose="020B0604020202020204" pitchFamily="34" charset="0"/>
+              </a:rPr>
+              <a:t>工具</a:t>
+            </a:r>
+            <a:endParaRPr lang="en-US" altLang="zh-CN" sz="2000" b="1" dirty="0">
+              <a:solidFill>
+                <a:schemeClr val="tx1">
+                  <a:lumMod val="65000"/>
+                  <a:lumOff val="35000"/>
+                </a:schemeClr>
+              </a:solidFill>
+              <a:latin typeface="Microsoft YaHei" panose="020B0503020204020204" pitchFamily="34" charset="-122"/>
+              <a:ea typeface="Microsoft YaHei" panose="020B0503020204020204" pitchFamily="34" charset="-122"/>
+              <a:cs typeface="+mn-ea"/>
+              <a:sym typeface="Arial" panose="020B0604020202020204" pitchFamily="34" charset="0"/>
+            </a:endParaRPr>
+          </a:p>
+          <a:p>
+            <a:pPr algn="ctr"/>
+            <a:r>
+              <a:rPr lang="en-US" altLang="zh-CN" sz="1400" dirty="0">
+                <a:solidFill>
+                  <a:schemeClr val="bg2">
+                    <a:lumMod val="25000"/>
+                  </a:schemeClr>
+                </a:solidFill>
+                <a:latin typeface="Microsoft YaHei" panose="020B0503020204020204" pitchFamily="34" charset="-122"/>
+                <a:ea typeface="Microsoft YaHei" panose="020B0503020204020204" pitchFamily="34" charset="-122"/>
+                <a:cs typeface="Arial" panose="020B0604020202020204" pitchFamily="34" charset="0"/>
+              </a:rPr>
+              <a:t>Python, R, PostgreSQL, Tableau, AMPL, Excel, Latex…</a:t>
+            </a:r>
+            <a:endParaRPr lang="zh-CN" altLang="en-US" sz="1400" dirty="0">
+              <a:solidFill>
+                <a:schemeClr val="bg2">
+                  <a:lumMod val="25000"/>
+                </a:schemeClr>
+              </a:solidFill>
+              <a:latin typeface="Microsoft YaHei" panose="020B0503020204020204" pitchFamily="34" charset="-122"/>
+              <a:ea typeface="Microsoft YaHei" panose="020B0503020204020204" pitchFamily="34" charset="-122"/>
+              <a:cs typeface="Arial" panose="020B0604020202020204" pitchFamily="34" charset="0"/>
+              <a:sym typeface="Arial" panose="020B0604020202020204" pitchFamily="34" charset="0"/>
+            </a:endParaRPr>
+          </a:p>
+        </p:txBody>
+      </p:sp>
+    </p:spTree>
+    <p:extLst>
+      <p:ext uri="{BB962C8B-B14F-4D97-AF65-F5344CB8AC3E}">
+        <p14:creationId xmlns:p14="http://schemas.microsoft.com/office/powerpoint/2010/main" val="3594273225"/>
+      </p:ext>
+    </p:extLst>
+  </p:cSld>
+  <p:clrMapOvr>
+    <a:masterClrMapping/>
+  </p:clrMapOvr>
+</p:sld>
+</file>
+
+<file path=ppt/slides/slide3.xml><?xml version="1.0" encoding="utf-8"?>
 <p:sld xmlns:a="http://schemas.openxmlformats.org/drawingml/2006/main" xmlns:r="http://schemas.openxmlformats.org/officeDocument/2006/relationships" xmlns:p="http://schemas.openxmlformats.org/presentationml/2006/main">
   <p:cSld>
     <p:spTree>
@@ -17838,7 +19768,7 @@
 </p:sld>
 </file>
 
-<file path=ppt/slides/slide3.xml><?xml version="1.0" encoding="utf-8"?>
+<file path=ppt/slides/slide4.xml><?xml version="1.0" encoding="utf-8"?>
 <p:sld xmlns:a="http://schemas.openxmlformats.org/drawingml/2006/main" xmlns:r="http://schemas.openxmlformats.org/officeDocument/2006/relationships" xmlns:p="http://schemas.openxmlformats.org/presentationml/2006/main">
   <p:cSld>
     <p:spTree>
